--- a/XII class/DB - Module 3/05. Въведение в езика за заявки  SQL/04-Intro-to-SQL.pptx
+++ b/XII class/DB - Module 3/05. Въведение в езика за заявки  SQL/04-Intro-to-SQL.pptx
@@ -543,7 +543,7 @@
           <a:p>
             <a:fld id="{4E087215-0C8F-4762-A664-737A353EC9A4}" type="datetimeFigureOut">
               <a:rPr lang="bg-BG" smtClean="0"/>
-              <a:t>16.07.24 г.</a:t>
+              <a:t>2.10.2024 г.</a:t>
             </a:fld>
             <a:endParaRPr lang="bg-BG"/>
           </a:p>
@@ -739,7 +739,7 @@
           <a:p>
             <a:fld id="{72D84649-876A-46C9-8472-14CB09C070D8}" type="datetimeFigureOut">
               <a:rPr lang="en-US" smtClean="0"/>
-              <a:t>7/16/24</a:t>
+              <a:t>10/2/2024</a:t>
             </a:fld>
             <a:endParaRPr lang="en-US"/>
           </a:p>
@@ -15308,18 +15308,18 @@
           <a:lstStyle/>
           <a:p>
             <a:r>
-              <a:rPr lang="en-US"/>
+              <a:rPr lang="en-US" dirty="0"/>
               <a:t>SQL </a:t>
             </a:r>
             <a:r>
-              <a:rPr lang="bg-BG"/>
+              <a:rPr lang="bg-BG" dirty="0"/>
               <a:t>и </a:t>
             </a:r>
             <a:r>
-              <a:rPr lang="en-US"/>
+              <a:rPr lang="en-US" dirty="0"/>
               <a:t>T-SQL</a:t>
             </a:r>
-            <a:endParaRPr lang="bg-BG"/>
+            <a:endParaRPr lang="bg-BG" dirty="0"/>
           </a:p>
         </p:txBody>
       </p:sp>
@@ -17093,13 +17093,13 @@
           <p:nvPr>
             <p:extLst>
               <p:ext uri="{D42A27DB-BD31-4B8C-83A1-F6EECF244321}">
-                <p14:modId xmlns:p14="http://schemas.microsoft.com/office/powerpoint/2010/main" val="2873921945"/>
+                <p14:modId xmlns:p14="http://schemas.microsoft.com/office/powerpoint/2010/main" val="1929902458"/>
               </p:ext>
             </p:extLst>
           </p:nvPr>
         </p:nvGraphicFramePr>
         <p:xfrm>
-          <a:off x="2362200" y="2514600"/>
+          <a:off x="2362200" y="2778760"/>
           <a:ext cx="7405688" cy="1789176"/>
         </p:xfrm>
         <a:graphic>
